--- a/labs/lab-sandbox-architecture.pptx
+++ b/labs/lab-sandbox-architecture.pptx
@@ -104,6 +104,11 @@
       </a:defRPr>
     </a:lvl9pPr>
   </p:defaultTextStyle>
+  <p:extLst>
+    <p:ext uri="{EFAFB233-063F-42B5-8137-9DF3F51BA10A}">
+      <p15:sldGuideLst xmlns:p15="http://schemas.microsoft.com/office/powerpoint/2012/main"/>
+    </p:ext>
+  </p:extLst>
 </p:presentation>
 </file>
 
@@ -7146,7 +7151,7 @@
           <a:graphicData uri="http://schemas.openxmlformats.org/presentationml/2006/ole">
             <mc:AlternateContent xmlns:mc="http://schemas.openxmlformats.org/markup-compatibility/2006">
               <mc:Choice xmlns:v="urn:schemas-microsoft-com:vml" Requires="v">
-                <p:oleObj spid="_x0000_s1062" name="Image" r:id="rId12" imgW="3201120" imgH="1702080" progId="Photoshop.Image.13">
+                <p:oleObj spid="_x0000_s1064" name="Image" r:id="rId12" imgW="3201120" imgH="1702080" progId="Photoshop.Image.13">
                   <p:embed/>
                 </p:oleObj>
               </mc:Choice>
@@ -8325,7 +8330,7 @@
           <a:graphicData uri="http://schemas.openxmlformats.org/presentationml/2006/ole">
             <mc:AlternateContent xmlns:mc="http://schemas.openxmlformats.org/markup-compatibility/2006">
               <mc:Choice xmlns:v="urn:schemas-microsoft-com:vml" Requires="v">
-                <p:oleObj spid="_x0000_s1063" name="Image" r:id="rId21" imgW="495000" imgH="422640" progId="Photoshop.Image.13">
+                <p:oleObj spid="_x0000_s1065" name="Image" r:id="rId21" imgW="495000" imgH="422640" progId="Photoshop.Image.13">
                   <p:embed/>
                 </p:oleObj>
               </mc:Choice>
